--- a/Richmond.pptx
+++ b/Richmond.pptx
@@ -2987,13 +2987,13 @@
         </p:nvPicPr>
         <p:blipFill rotWithShape="1">
           <a:blip r:embed="rId2"/>
-          <a:srcRect l="24558" t="11214" r="24558" b="13885"/>
+          <a:srcRect l="24558" t="15466" r="24558" b="14373"/>
           <a:stretch/>
         </p:blipFill>
         <p:spPr>
           <a:xfrm>
-            <a:off x="534837" y="1017916"/>
-            <a:ext cx="7867291" cy="5774171"/>
+            <a:off x="638354" y="1002821"/>
+            <a:ext cx="7867291" cy="5408762"/>
           </a:xfrm>
           <a:prstGeom prst="rect">
             <a:avLst/>

--- a/Richmond.pptx
+++ b/Richmond.pptx
@@ -6,6 +6,8 @@
   </p:sldMasterIdLst>
   <p:sldIdLst>
     <p:sldId id="256" r:id="rId2"/>
+    <p:sldId id="257" r:id="rId3"/>
+    <p:sldId id="258" r:id="rId4"/>
   </p:sldIdLst>
   <p:sldSz cx="9144000" cy="6858000" type="screen4x3"/>
   <p:notesSz cx="6858000" cy="9144000"/>
@@ -3013,6 +3015,153 @@
 </p:sld>
 </file>
 
+<file path=ppt/slides/slide2.xml><?xml version="1.0" encoding="utf-8"?>
+<p:sld xmlns:a="http://schemas.openxmlformats.org/drawingml/2006/main" xmlns:r="http://schemas.openxmlformats.org/officeDocument/2006/relationships" xmlns:p="http://schemas.openxmlformats.org/presentationml/2006/main">
+  <p:cSld>
+    <p:spTree>
+      <p:nvGrpSpPr>
+        <p:cNvPr id="1" name=""/>
+        <p:cNvGrpSpPr/>
+        <p:nvPr/>
+      </p:nvGrpSpPr>
+      <p:grpSpPr>
+        <a:xfrm>
+          <a:off x="0" y="0"/>
+          <a:ext cx="0" cy="0"/>
+          <a:chOff x="0" y="0"/>
+          <a:chExt cx="0" cy="0"/>
+        </a:xfrm>
+      </p:grpSpPr>
+      <p:pic>
+        <p:nvPicPr>
+          <p:cNvPr id="3" name="Picture 2">
+            <a:extLst>
+              <a:ext uri="{FF2B5EF4-FFF2-40B4-BE49-F238E27FC236}">
+                <a16:creationId xmlns:a16="http://schemas.microsoft.com/office/drawing/2014/main" id="{32880BA2-30F4-43FB-86E8-208A71D71477}"/>
+              </a:ext>
+            </a:extLst>
+          </p:cNvPr>
+          <p:cNvPicPr>
+            <a:picLocks noChangeAspect="1"/>
+          </p:cNvPicPr>
+          <p:nvPr/>
+        </p:nvPicPr>
+        <p:blipFill rotWithShape="1">
+          <a:blip r:embed="rId2"/>
+          <a:srcRect t="9273"/>
+          <a:stretch/>
+        </p:blipFill>
+        <p:spPr>
+          <a:xfrm>
+            <a:off x="43132" y="1000664"/>
+            <a:ext cx="9057736" cy="5649193"/>
+          </a:xfrm>
+          <a:prstGeom prst="rect">
+            <a:avLst/>
+          </a:prstGeom>
+        </p:spPr>
+      </p:pic>
+    </p:spTree>
+    <p:extLst>
+      <p:ext uri="{BB962C8B-B14F-4D97-AF65-F5344CB8AC3E}">
+        <p14:creationId xmlns:p14="http://schemas.microsoft.com/office/powerpoint/2010/main" val="687535430"/>
+      </p:ext>
+    </p:extLst>
+  </p:cSld>
+  <p:clrMapOvr>
+    <a:masterClrMapping/>
+  </p:clrMapOvr>
+</p:sld>
+</file>
+
+<file path=ppt/slides/slide3.xml><?xml version="1.0" encoding="utf-8"?>
+<p:sld xmlns:a="http://schemas.openxmlformats.org/drawingml/2006/main" xmlns:r="http://schemas.openxmlformats.org/officeDocument/2006/relationships" xmlns:p="http://schemas.openxmlformats.org/presentationml/2006/main">
+  <p:cSld>
+    <p:spTree>
+      <p:nvGrpSpPr>
+        <p:cNvPr id="1" name=""/>
+        <p:cNvGrpSpPr/>
+        <p:nvPr/>
+      </p:nvGrpSpPr>
+      <p:grpSpPr>
+        <a:xfrm>
+          <a:off x="0" y="0"/>
+          <a:ext cx="0" cy="0"/>
+          <a:chOff x="0" y="0"/>
+          <a:chExt cx="0" cy="0"/>
+        </a:xfrm>
+      </p:grpSpPr>
+      <p:pic>
+        <p:nvPicPr>
+          <p:cNvPr id="3" name="Picture 2">
+            <a:extLst>
+              <a:ext uri="{FF2B5EF4-FFF2-40B4-BE49-F238E27FC236}">
+                <a16:creationId xmlns:a16="http://schemas.microsoft.com/office/drawing/2014/main" id="{522FBABF-681C-45E2-816A-A521353E34B2}"/>
+              </a:ext>
+            </a:extLst>
+          </p:cNvPr>
+          <p:cNvPicPr>
+            <a:picLocks noChangeAspect="1"/>
+          </p:cNvPicPr>
+          <p:nvPr/>
+        </p:nvPicPr>
+        <p:blipFill rotWithShape="1">
+          <a:blip r:embed="rId2"/>
+          <a:srcRect t="5980" r="13962"/>
+          <a:stretch/>
+        </p:blipFill>
+        <p:spPr>
+          <a:xfrm>
+            <a:off x="0" y="957532"/>
+            <a:ext cx="7510066" cy="5641676"/>
+          </a:xfrm>
+          <a:prstGeom prst="rect">
+            <a:avLst/>
+          </a:prstGeom>
+        </p:spPr>
+      </p:pic>
+      <p:pic>
+        <p:nvPicPr>
+          <p:cNvPr id="4" name="Picture 3">
+            <a:extLst>
+              <a:ext uri="{FF2B5EF4-FFF2-40B4-BE49-F238E27FC236}">
+                <a16:creationId xmlns:a16="http://schemas.microsoft.com/office/drawing/2014/main" id="{4E0E1FCC-7AB7-4AB3-B102-8AEBB54723A9}"/>
+              </a:ext>
+            </a:extLst>
+          </p:cNvPr>
+          <p:cNvPicPr>
+            <a:picLocks noChangeAspect="1"/>
+          </p:cNvPicPr>
+          <p:nvPr/>
+        </p:nvPicPr>
+        <p:blipFill rotWithShape="1">
+          <a:blip r:embed="rId2"/>
+          <a:srcRect l="89695" t="46136" b="44237"/>
+          <a:stretch/>
+        </p:blipFill>
+        <p:spPr>
+          <a:xfrm>
+            <a:off x="7599873" y="3200400"/>
+            <a:ext cx="1020792" cy="655608"/>
+          </a:xfrm>
+          <a:prstGeom prst="rect">
+            <a:avLst/>
+          </a:prstGeom>
+        </p:spPr>
+      </p:pic>
+    </p:spTree>
+    <p:extLst>
+      <p:ext uri="{BB962C8B-B14F-4D97-AF65-F5344CB8AC3E}">
+        <p14:creationId xmlns:p14="http://schemas.microsoft.com/office/powerpoint/2010/main" val="262342882"/>
+      </p:ext>
+    </p:extLst>
+  </p:cSld>
+  <p:clrMapOvr>
+    <a:masterClrMapping/>
+  </p:clrMapOvr>
+</p:sld>
+</file>
+
 <file path=ppt/theme/theme1.xml><?xml version="1.0" encoding="utf-8"?>
 <a:theme xmlns:a="http://schemas.openxmlformats.org/drawingml/2006/main" name="Office Theme">
   <a:themeElements>
